--- a/文档/交付文档/首耀照明答辩ppt.pptx
+++ b/文档/交付文档/首耀照明答辩ppt.pptx
@@ -882,14 +882,7 @@
   <p:clrMapOvr>
     <a:masterClrMapping/>
   </p:clrMapOvr>
-  <mc:AlternateContent xmlns:mc="http://schemas.openxmlformats.org/markup-compatibility/2006" xmlns:p14="http://schemas.microsoft.com/office/powerpoint/2010/main">
-    <mc:Choice Requires="p14">
-      <p:transition spd="slow" p14:dur="2000"/>
-    </mc:Choice>
-    <mc:Fallback xmlns="">
-      <p:transition spd="slow"/>
-    </mc:Fallback>
-  </mc:AlternateContent>
+  <p:transition spd="slow"/>
 </p:sldLayout>
 </file>
 
@@ -1055,14 +1048,7 @@
   <p:clrMapOvr>
     <a:masterClrMapping/>
   </p:clrMapOvr>
-  <mc:AlternateContent xmlns:mc="http://schemas.openxmlformats.org/markup-compatibility/2006" xmlns:p14="http://schemas.microsoft.com/office/powerpoint/2010/main">
-    <mc:Choice Requires="p14">
-      <p:transition spd="slow" p14:dur="2000"/>
-    </mc:Choice>
-    <mc:Fallback xmlns="">
-      <p:transition spd="slow"/>
-    </mc:Fallback>
-  </mc:AlternateContent>
+  <p:transition spd="slow"/>
 </p:sldLayout>
 </file>
 
@@ -1238,14 +1224,7 @@
   <p:clrMapOvr>
     <a:masterClrMapping/>
   </p:clrMapOvr>
-  <mc:AlternateContent xmlns:mc="http://schemas.openxmlformats.org/markup-compatibility/2006" xmlns:p14="http://schemas.microsoft.com/office/powerpoint/2010/main">
-    <mc:Choice Requires="p14">
-      <p:transition spd="slow" p14:dur="2000"/>
-    </mc:Choice>
-    <mc:Fallback xmlns="">
-      <p:transition spd="slow"/>
-    </mc:Fallback>
-  </mc:AlternateContent>
+  <p:transition spd="slow"/>
 </p:sldLayout>
 </file>
 
@@ -1411,14 +1390,7 @@
   <p:clrMapOvr>
     <a:masterClrMapping/>
   </p:clrMapOvr>
-  <mc:AlternateContent xmlns:mc="http://schemas.openxmlformats.org/markup-compatibility/2006" xmlns:p14="http://schemas.microsoft.com/office/powerpoint/2010/main">
-    <mc:Choice Requires="p14">
-      <p:transition spd="slow" p14:dur="2000"/>
-    </mc:Choice>
-    <mc:Fallback xmlns="">
-      <p:transition spd="slow"/>
-    </mc:Fallback>
-  </mc:AlternateContent>
+  <p:transition spd="slow"/>
 </p:sldLayout>
 </file>
 
@@ -1660,14 +1632,7 @@
   <p:clrMapOvr>
     <a:masterClrMapping/>
   </p:clrMapOvr>
-  <mc:AlternateContent xmlns:mc="http://schemas.openxmlformats.org/markup-compatibility/2006" xmlns:p14="http://schemas.microsoft.com/office/powerpoint/2010/main">
-    <mc:Choice Requires="p14">
-      <p:transition spd="slow" p14:dur="2000"/>
-    </mc:Choice>
-    <mc:Fallback xmlns="">
-      <p:transition spd="slow"/>
-    </mc:Fallback>
-  </mc:AlternateContent>
+  <p:transition spd="slow"/>
 </p:sldLayout>
 </file>
 
@@ -1895,14 +1860,7 @@
   <p:clrMapOvr>
     <a:masterClrMapping/>
   </p:clrMapOvr>
-  <mc:AlternateContent xmlns:mc="http://schemas.openxmlformats.org/markup-compatibility/2006" xmlns:p14="http://schemas.microsoft.com/office/powerpoint/2010/main">
-    <mc:Choice Requires="p14">
-      <p:transition spd="slow" p14:dur="2000"/>
-    </mc:Choice>
-    <mc:Fallback xmlns="">
-      <p:transition spd="slow"/>
-    </mc:Fallback>
-  </mc:AlternateContent>
+  <p:transition spd="slow"/>
 </p:sldLayout>
 </file>
 
@@ -2265,14 +2223,7 @@
   <p:clrMapOvr>
     <a:masterClrMapping/>
   </p:clrMapOvr>
-  <mc:AlternateContent xmlns:mc="http://schemas.openxmlformats.org/markup-compatibility/2006" xmlns:p14="http://schemas.microsoft.com/office/powerpoint/2010/main">
-    <mc:Choice Requires="p14">
-      <p:transition spd="slow" p14:dur="2000"/>
-    </mc:Choice>
-    <mc:Fallback xmlns="">
-      <p:transition spd="slow"/>
-    </mc:Fallback>
-  </mc:AlternateContent>
+  <p:transition spd="slow"/>
 </p:sldLayout>
 </file>
 
@@ -2386,14 +2337,7 @@
   <p:clrMapOvr>
     <a:masterClrMapping/>
   </p:clrMapOvr>
-  <mc:AlternateContent xmlns:mc="http://schemas.openxmlformats.org/markup-compatibility/2006" xmlns:p14="http://schemas.microsoft.com/office/powerpoint/2010/main">
-    <mc:Choice Requires="p14">
-      <p:transition spd="slow" p14:dur="2000"/>
-    </mc:Choice>
-    <mc:Fallback xmlns="">
-      <p:transition spd="slow"/>
-    </mc:Fallback>
-  </mc:AlternateContent>
+  <p:transition spd="slow"/>
 </p:sldLayout>
 </file>
 
@@ -2484,14 +2428,7 @@
   <p:clrMapOvr>
     <a:masterClrMapping/>
   </p:clrMapOvr>
-  <mc:AlternateContent xmlns:mc="http://schemas.openxmlformats.org/markup-compatibility/2006" xmlns:p14="http://schemas.microsoft.com/office/powerpoint/2010/main">
-    <mc:Choice Requires="p14">
-      <p:transition spd="slow" p14:dur="2000"/>
-    </mc:Choice>
-    <mc:Fallback xmlns="">
-      <p:transition spd="slow"/>
-    </mc:Fallback>
-  </mc:AlternateContent>
+  <p:transition spd="slow"/>
 </p:sldLayout>
 </file>
 
@@ -2764,14 +2701,7 @@
   <p:clrMapOvr>
     <a:masterClrMapping/>
   </p:clrMapOvr>
-  <mc:AlternateContent xmlns:mc="http://schemas.openxmlformats.org/markup-compatibility/2006" xmlns:p14="http://schemas.microsoft.com/office/powerpoint/2010/main">
-    <mc:Choice Requires="p14">
-      <p:transition spd="slow" p14:dur="2000"/>
-    </mc:Choice>
-    <mc:Fallback xmlns="">
-      <p:transition spd="slow"/>
-    </mc:Fallback>
-  </mc:AlternateContent>
+  <p:transition spd="slow"/>
 </p:sldLayout>
 </file>
 
@@ -3020,14 +2950,7 @@
   <p:clrMapOvr>
     <a:masterClrMapping/>
   </p:clrMapOvr>
-  <mc:AlternateContent xmlns:mc="http://schemas.openxmlformats.org/markup-compatibility/2006" xmlns:p14="http://schemas.microsoft.com/office/powerpoint/2010/main">
-    <mc:Choice Requires="p14">
-      <p:transition spd="slow" p14:dur="2000"/>
-    </mc:Choice>
-    <mc:Fallback xmlns="">
-      <p:transition spd="slow"/>
-    </mc:Fallback>
-  </mc:AlternateContent>
+  <p:transition spd="slow"/>
 </p:sldLayout>
 </file>
 
@@ -3283,14 +3206,7 @@
     <p:sldLayoutId id="2147483658" r:id="rId10"/>
     <p:sldLayoutId id="2147483659" r:id="rId11"/>
   </p:sldLayoutIdLst>
-  <mc:AlternateContent xmlns:mc="http://schemas.openxmlformats.org/markup-compatibility/2006" xmlns:p14="http://schemas.microsoft.com/office/powerpoint/2010/main">
-    <mc:Choice Requires="p14">
-      <p:transition spd="slow" p14:dur="2000"/>
-    </mc:Choice>
-    <mc:Fallback xmlns="">
-      <p:transition spd="slow"/>
-    </mc:Fallback>
-  </mc:AlternateContent>
+  <p:transition spd="slow"/>
   <p:txStyles>
     <p:titleStyle>
       <a:lvl1pPr algn="l" defTabSz="914400" rtl="0" eaLnBrk="1" latinLnBrk="0" hangingPunct="1">
@@ -4054,14 +3970,7 @@
   <p:clrMapOvr>
     <a:masterClrMapping/>
   </p:clrMapOvr>
-  <mc:AlternateContent xmlns:mc="http://schemas.openxmlformats.org/markup-compatibility/2006" xmlns:p14="http://schemas.microsoft.com/office/powerpoint/2010/main">
-    <mc:Choice Requires="p14">
-      <p:transition spd="slow" p14:dur="2000"/>
-    </mc:Choice>
-    <mc:Fallback xmlns="">
-      <p:transition spd="slow"/>
-    </mc:Fallback>
-  </mc:AlternateContent>
+  <p:transition spd="slow"/>
   <p:timing>
     <p:tnLst>
       <p:par>
@@ -4834,13 +4743,6 @@
               </a:rPr>
               <a:t>02</a:t>
             </a:r>
-            <a:endParaRPr lang="en-US" altLang="zh-CN" sz="6000" dirty="0" smtClean="0">
-              <a:solidFill>
-                <a:srgbClr val="2E75B6"/>
-              </a:solidFill>
-              <a:latin typeface="Impact" panose="020B0806030902050204" pitchFamily="34" charset="0"/>
-              <a:ea typeface="+mj-ea"/>
-            </a:endParaRPr>
           </a:p>
         </p:txBody>
       </p:sp>
@@ -4849,14 +4751,7 @@
   <p:clrMapOvr>
     <a:masterClrMapping/>
   </p:clrMapOvr>
-  <mc:AlternateContent xmlns:mc="http://schemas.openxmlformats.org/markup-compatibility/2006" xmlns:p14="http://schemas.microsoft.com/office/powerpoint/2010/main">
-    <mc:Choice Requires="p14">
-      <p:transition spd="slow" p14:dur="2000"/>
-    </mc:Choice>
-    <mc:Fallback xmlns="">
-      <p:transition spd="slow"/>
-    </mc:Fallback>
-  </mc:AlternateContent>
+  <p:transition spd="slow"/>
   <p:timing>
     <p:tnLst>
       <p:par>
@@ -6379,14 +6274,7 @@
   <p:clrMapOvr>
     <a:masterClrMapping/>
   </p:clrMapOvr>
-  <mc:AlternateContent xmlns:mc="http://schemas.openxmlformats.org/markup-compatibility/2006" xmlns:p14="http://schemas.microsoft.com/office/powerpoint/2010/main">
-    <mc:Choice Requires="p14">
-      <p:transition spd="slow" p14:dur="2000"/>
-    </mc:Choice>
-    <mc:Fallback xmlns="">
-      <p:transition spd="slow"/>
-    </mc:Fallback>
-  </mc:AlternateContent>
+  <p:transition spd="slow"/>
   <p:timing>
     <p:tnLst>
       <p:par>
@@ -7490,14 +7378,7 @@
   <p:clrMapOvr>
     <a:masterClrMapping/>
   </p:clrMapOvr>
-  <mc:AlternateContent xmlns:mc="http://schemas.openxmlformats.org/markup-compatibility/2006" xmlns:p14="http://schemas.microsoft.com/office/powerpoint/2010/main">
-    <mc:Choice Requires="p14">
-      <p:transition spd="slow" p14:dur="2000"/>
-    </mc:Choice>
-    <mc:Fallback xmlns="">
-      <p:transition spd="slow"/>
-    </mc:Fallback>
-  </mc:AlternateContent>
+  <p:transition spd="slow"/>
   <p:timing>
     <p:tnLst>
       <p:par>
@@ -8358,14 +8239,7 @@
   <p:clrMapOvr>
     <a:masterClrMapping/>
   </p:clrMapOvr>
-  <mc:AlternateContent xmlns:mc="http://schemas.openxmlformats.org/markup-compatibility/2006" xmlns:p14="http://schemas.microsoft.com/office/powerpoint/2010/main">
-    <mc:Choice Requires="p14">
-      <p:transition spd="slow" p14:dur="2000"/>
-    </mc:Choice>
-    <mc:Fallback xmlns="">
-      <p:transition spd="slow"/>
-    </mc:Fallback>
-  </mc:AlternateContent>
+  <p:transition spd="slow"/>
   <p:timing>
     <p:tnLst>
       <p:par>
@@ -8867,7 +8741,7 @@
           <a:lstStyle/>
           <a:p>
             <a:pPr algn="ctr"/>
-            <a:endParaRPr lang="zh-CN" altLang="en-US"/>
+            <a:endParaRPr lang="zh-CN" altLang="en-US" dirty="0"/>
           </a:p>
         </p:txBody>
       </p:sp>
@@ -9144,8 +9018,8 @@
         </p:nvSpPr>
         <p:spPr>
           <a:xfrm flipH="1">
-            <a:off x="1077595" y="2702560"/>
-            <a:ext cx="3293745" cy="584775"/>
+            <a:off x="812054" y="790799"/>
+            <a:ext cx="1164663" cy="523220"/>
           </a:xfrm>
           <a:prstGeom prst="rect">
             <a:avLst/>
@@ -9167,7 +9041,7 @@
               <a:buClrTx/>
             </a:pPr>
             <a:r>
-              <a:rPr lang="zh-CN" altLang="en-US" sz="3200" b="1" dirty="0">
+              <a:rPr lang="zh-CN" altLang="en-US" sz="2800" b="1" dirty="0">
                 <a:solidFill>
                   <a:schemeClr val="tx1">
                     <a:lumMod val="75000"/>
@@ -9179,28 +9053,6 @@
                 <a:sym typeface="宋体" panose="02010600030101010101" pitchFamily="2" charset="-122"/>
               </a:rPr>
               <a:t>问题</a:t>
-            </a:r>
-            <a:r>
-              <a:rPr lang="zh-CN" altLang="en-US" sz="2800" dirty="0" smtClean="0">
-                <a:solidFill>
-                  <a:schemeClr val="tx1">
-                    <a:lumMod val="75000"/>
-                    <a:lumOff val="25000"/>
-                  </a:schemeClr>
-                </a:solidFill>
-                <a:latin typeface="微软雅黑" panose="020B0503020204020204" charset="-122"/>
-                <a:ea typeface="微软雅黑" panose="020B0503020204020204" charset="-122"/>
-                <a:sym typeface="宋体" panose="02010600030101010101" pitchFamily="2" charset="-122"/>
-              </a:rPr>
-              <a:t> </a:t>
-            </a:r>
-            <a:r>
-              <a:rPr lang="zh-CN" altLang="en-US" sz="1600" dirty="0" smtClean="0">
-                <a:latin typeface="时尚中黑简体" pitchFamily="2" charset="-122"/>
-                <a:ea typeface="时尚中黑简体" pitchFamily="2" charset="-122"/>
-                <a:sym typeface="宋体" panose="02010600030101010101" pitchFamily="2" charset="-122"/>
-              </a:rPr>
-              <a:t>   </a:t>
             </a:r>
             <a:endParaRPr lang="en-US" altLang="zh-CN" sz="1600" dirty="0">
               <a:latin typeface="时尚中黑简体" pitchFamily="2" charset="-122"/>
@@ -9218,8 +9070,8 @@
         </p:nvSpPr>
         <p:spPr>
           <a:xfrm flipH="1">
-            <a:off x="1077595" y="3650615"/>
-            <a:ext cx="4285615" cy="2183765"/>
+            <a:off x="699359" y="2339974"/>
+            <a:ext cx="4285615" cy="3754874"/>
           </a:xfrm>
           <a:prstGeom prst="rect">
             <a:avLst/>
@@ -9242,7 +9094,7 @@
               <a:buClrTx/>
             </a:pPr>
             <a:r>
-              <a:rPr lang="en-US" altLang="zh-CN" sz="2000" b="1" dirty="0">
+              <a:rPr lang="en-US" altLang="zh-CN" sz="2000" b="1" dirty="0" smtClean="0">
                 <a:solidFill>
                   <a:schemeClr val="bg1"/>
                 </a:solidFill>
@@ -9250,10 +9102,10 @@
                 <a:ea typeface="微软雅黑" panose="020B0503020204020204" charset="-122"/>
                 <a:sym typeface="宋体" panose="02010600030101010101" pitchFamily="2" charset="-122"/>
               </a:rPr>
-              <a:t>       </a:t>
+              <a:t>1.</a:t>
             </a:r>
             <a:r>
-              <a:rPr lang="zh-CN" altLang="en-US" sz="2000" b="1" dirty="0">
+              <a:rPr lang="zh-CN" altLang="en-US" sz="2000" b="1" dirty="0" smtClean="0">
                 <a:solidFill>
                   <a:schemeClr val="bg1"/>
                 </a:solidFill>
@@ -9261,8 +9113,164 @@
                 <a:ea typeface="微软雅黑" panose="020B0503020204020204" charset="-122"/>
                 <a:sym typeface="宋体" panose="02010600030101010101" pitchFamily="2" charset="-122"/>
               </a:rPr>
-              <a:t>在此添加文本 在此添加文本  在此添加文本 在此添加文本  在此添加文本 在此添加文本 在此添加文本 在此添加文本  在此添加文本</a:t>
+              <a:t>路由匹配和访问： 不是像访问</a:t>
             </a:r>
+            <a:r>
+              <a:rPr lang="en-US" altLang="zh-CN" sz="2000" b="1" dirty="0" err="1" smtClean="0">
+                <a:solidFill>
+                  <a:schemeClr val="bg1"/>
+                </a:solidFill>
+                <a:latin typeface="微软雅黑" panose="020B0503020204020204" charset="-122"/>
+                <a:ea typeface="微软雅黑" panose="020B0503020204020204" charset="-122"/>
+                <a:sym typeface="宋体" panose="02010600030101010101" pitchFamily="2" charset="-122"/>
+              </a:rPr>
+              <a:t>json</a:t>
+            </a:r>
+            <a:r>
+              <a:rPr lang="zh-CN" altLang="en-US" sz="2000" b="1" dirty="0" smtClean="0">
+                <a:solidFill>
+                  <a:schemeClr val="bg1"/>
+                </a:solidFill>
+                <a:latin typeface="微软雅黑" panose="020B0503020204020204" charset="-122"/>
+                <a:ea typeface="微软雅黑" panose="020B0503020204020204" charset="-122"/>
+                <a:sym typeface="宋体" panose="02010600030101010101" pitchFamily="2" charset="-122"/>
+              </a:rPr>
+              <a:t>文件那样， 要看文件的结构目录一级一级访问， 而是在</a:t>
+            </a:r>
+            <a:r>
+              <a:rPr lang="en-US" altLang="zh-CN" sz="2000" b="1" dirty="0" smtClean="0">
+                <a:solidFill>
+                  <a:schemeClr val="bg1"/>
+                </a:solidFill>
+                <a:latin typeface="微软雅黑" panose="020B0503020204020204" charset="-122"/>
+                <a:ea typeface="微软雅黑" panose="020B0503020204020204" charset="-122"/>
+                <a:sym typeface="宋体" panose="02010600030101010101" pitchFamily="2" charset="-122"/>
+              </a:rPr>
+              <a:t>router/index.js</a:t>
+            </a:r>
+            <a:r>
+              <a:rPr lang="zh-CN" altLang="en-US" sz="2000" b="1" dirty="0" smtClean="0">
+                <a:solidFill>
+                  <a:schemeClr val="bg1"/>
+                </a:solidFill>
+                <a:latin typeface="微软雅黑" panose="020B0503020204020204" charset="-122"/>
+                <a:ea typeface="微软雅黑" panose="020B0503020204020204" charset="-122"/>
+                <a:sym typeface="宋体" panose="02010600030101010101" pitchFamily="2" charset="-122"/>
+              </a:rPr>
+              <a:t>下配成怎样就怎样访问。</a:t>
+            </a:r>
+            <a:endParaRPr lang="en-US" altLang="zh-CN" sz="2000" b="1" dirty="0" smtClean="0">
+              <a:solidFill>
+                <a:schemeClr val="bg1"/>
+              </a:solidFill>
+              <a:latin typeface="微软雅黑" panose="020B0503020204020204" charset="-122"/>
+              <a:ea typeface="微软雅黑" panose="020B0503020204020204" charset="-122"/>
+              <a:sym typeface="宋体" panose="02010600030101010101" pitchFamily="2" charset="-122"/>
+            </a:endParaRPr>
+          </a:p>
+          <a:p>
+            <a:pPr lvl="0" algn="l">
+              <a:lnSpc>
+                <a:spcPct val="170000"/>
+              </a:lnSpc>
+              <a:buClrTx/>
+            </a:pPr>
+            <a:r>
+              <a:rPr lang="en-US" altLang="zh-CN" sz="2000" b="1" dirty="0" smtClean="0">
+                <a:solidFill>
+                  <a:schemeClr val="bg1"/>
+                </a:solidFill>
+                <a:latin typeface="微软雅黑" panose="020B0503020204020204" charset="-122"/>
+                <a:ea typeface="微软雅黑" panose="020B0503020204020204" charset="-122"/>
+                <a:sym typeface="宋体" panose="02010600030101010101" pitchFamily="2" charset="-122"/>
+              </a:rPr>
+              <a:t>2.</a:t>
+            </a:r>
+            <a:r>
+              <a:rPr lang="zh-CN" altLang="en-US" sz="2000" b="1" dirty="0" smtClean="0">
+                <a:solidFill>
+                  <a:schemeClr val="bg1"/>
+                </a:solidFill>
+                <a:latin typeface="微软雅黑" panose="020B0503020204020204" charset="-122"/>
+                <a:ea typeface="微软雅黑" panose="020B0503020204020204" charset="-122"/>
+                <a:sym typeface="宋体" panose="02010600030101010101" pitchFamily="2" charset="-122"/>
+              </a:rPr>
+              <a:t>在</a:t>
+            </a:r>
+            <a:r>
+              <a:rPr lang="en-US" altLang="zh-CN" sz="2000" b="1" dirty="0" err="1" smtClean="0">
+                <a:solidFill>
+                  <a:schemeClr val="bg1"/>
+                </a:solidFill>
+                <a:latin typeface="微软雅黑" panose="020B0503020204020204" charset="-122"/>
+                <a:ea typeface="微软雅黑" panose="020B0503020204020204" charset="-122"/>
+                <a:sym typeface="宋体" panose="02010600030101010101" pitchFamily="2" charset="-122"/>
+              </a:rPr>
+              <a:t>js</a:t>
+            </a:r>
+            <a:r>
+              <a:rPr lang="zh-CN" altLang="en-US" sz="2000" b="1" dirty="0" smtClean="0">
+                <a:solidFill>
+                  <a:schemeClr val="bg1"/>
+                </a:solidFill>
+                <a:latin typeface="微软雅黑" panose="020B0503020204020204" charset="-122"/>
+                <a:ea typeface="微软雅黑" panose="020B0503020204020204" charset="-122"/>
+                <a:sym typeface="宋体" panose="02010600030101010101" pitchFamily="2" charset="-122"/>
+              </a:rPr>
+              <a:t>里面，循环遍历的数组元素都是对象，用</a:t>
+            </a:r>
+            <a:r>
+              <a:rPr lang="en-US" altLang="zh-CN" sz="2000" b="1" dirty="0" smtClean="0">
+                <a:solidFill>
+                  <a:schemeClr val="bg1"/>
+                </a:solidFill>
+                <a:latin typeface="微软雅黑" panose="020B0503020204020204" charset="-122"/>
+                <a:ea typeface="微软雅黑" panose="020B0503020204020204" charset="-122"/>
+                <a:sym typeface="宋体" panose="02010600030101010101" pitchFamily="2" charset="-122"/>
+              </a:rPr>
+              <a:t>of</a:t>
+            </a:r>
+            <a:r>
+              <a:rPr lang="zh-CN" altLang="en-US" sz="2000" b="1" dirty="0" smtClean="0">
+                <a:solidFill>
+                  <a:schemeClr val="bg1"/>
+                </a:solidFill>
+                <a:latin typeface="微软雅黑" panose="020B0503020204020204" charset="-122"/>
+                <a:ea typeface="微软雅黑" panose="020B0503020204020204" charset="-122"/>
+                <a:sym typeface="宋体" panose="02010600030101010101" pitchFamily="2" charset="-122"/>
+              </a:rPr>
+              <a:t>而不用</a:t>
+            </a:r>
+            <a:r>
+              <a:rPr lang="en-US" altLang="zh-CN" sz="2000" b="1" dirty="0" smtClean="0">
+                <a:solidFill>
+                  <a:schemeClr val="bg1"/>
+                </a:solidFill>
+                <a:latin typeface="微软雅黑" panose="020B0503020204020204" charset="-122"/>
+                <a:ea typeface="微软雅黑" panose="020B0503020204020204" charset="-122"/>
+                <a:sym typeface="宋体" panose="02010600030101010101" pitchFamily="2" charset="-122"/>
+              </a:rPr>
+              <a:t>in</a:t>
+            </a:r>
+            <a:r>
+              <a:rPr lang="zh-CN" altLang="en-US" sz="2000" b="1" dirty="0" smtClean="0">
+                <a:solidFill>
+                  <a:schemeClr val="bg1"/>
+                </a:solidFill>
+                <a:latin typeface="微软雅黑" panose="020B0503020204020204" charset="-122"/>
+                <a:ea typeface="微软雅黑" panose="020B0503020204020204" charset="-122"/>
+                <a:sym typeface="宋体" panose="02010600030101010101" pitchFamily="2" charset="-122"/>
+              </a:rPr>
+              <a:t>。</a:t>
+            </a:r>
+            <a:endParaRPr lang="zh-CN" altLang="en-US" sz="2000" b="1" dirty="0">
+              <a:solidFill>
+                <a:schemeClr val="bg1"/>
+              </a:solidFill>
+              <a:latin typeface="微软雅黑" panose="020B0503020204020204" charset="-122"/>
+              <a:ea typeface="微软雅黑" panose="020B0503020204020204" charset="-122"/>
+              <a:sym typeface="宋体" panose="02010600030101010101" pitchFamily="2" charset="-122"/>
+            </a:endParaRPr>
           </a:p>
         </p:txBody>
       </p:sp>
@@ -9586,88 +9594,14 @@
       </p:grpSp>
       <p:sp>
         <p:nvSpPr>
-          <p:cNvPr id="19" name="TextBox 11"/>
-          <p:cNvSpPr/>
-          <p:nvPr/>
-        </p:nvSpPr>
-        <p:spPr>
-          <a:xfrm flipH="1">
-            <a:off x="6513195" y="2702560"/>
-            <a:ext cx="3293745" cy="584775"/>
-          </a:xfrm>
-          <a:prstGeom prst="rect">
-            <a:avLst/>
-          </a:prstGeom>
-          <a:solidFill>
-            <a:schemeClr val="bg1"/>
-          </a:solidFill>
-          <a:ln w="9525">
-            <a:noFill/>
-          </a:ln>
-        </p:spPr>
-        <p:txBody>
-          <a:bodyPr wrap="square">
-            <a:spAutoFit/>
-          </a:bodyPr>
-          <a:lstStyle/>
-          <a:p>
-            <a:pPr lvl="0" algn="ctr">
-              <a:buClrTx/>
-            </a:pPr>
-            <a:r>
-              <a:rPr lang="zh-CN" altLang="en-US" sz="3200" b="1" dirty="0" smtClean="0">
-                <a:solidFill>
-                  <a:schemeClr val="tx1">
-                    <a:lumMod val="75000"/>
-                    <a:lumOff val="25000"/>
-                  </a:schemeClr>
-                </a:solidFill>
-                <a:latin typeface="微软雅黑" panose="020B0503020204020204" charset="-122"/>
-                <a:ea typeface="微软雅黑" panose="020B0503020204020204" charset="-122"/>
-                <a:sym typeface="宋体" panose="02010600030101010101" pitchFamily="2" charset="-122"/>
-              </a:rPr>
-              <a:t>解决方案</a:t>
-            </a:r>
-            <a:r>
-              <a:rPr lang="zh-CN" altLang="en-US" sz="2800" dirty="0" smtClean="0">
-                <a:solidFill>
-                  <a:schemeClr val="tx1">
-                    <a:lumMod val="75000"/>
-                    <a:lumOff val="25000"/>
-                  </a:schemeClr>
-                </a:solidFill>
-                <a:latin typeface="微软雅黑" panose="020B0503020204020204" charset="-122"/>
-                <a:ea typeface="微软雅黑" panose="020B0503020204020204" charset="-122"/>
-                <a:sym typeface="宋体" panose="02010600030101010101" pitchFamily="2" charset="-122"/>
-              </a:rPr>
-              <a:t> </a:t>
-            </a:r>
-            <a:r>
-              <a:rPr lang="zh-CN" altLang="en-US" sz="1600" dirty="0" smtClean="0">
-                <a:latin typeface="时尚中黑简体" pitchFamily="2" charset="-122"/>
-                <a:ea typeface="时尚中黑简体" pitchFamily="2" charset="-122"/>
-                <a:sym typeface="宋体" panose="02010600030101010101" pitchFamily="2" charset="-122"/>
-              </a:rPr>
-              <a:t>   </a:t>
-            </a:r>
-            <a:endParaRPr lang="en-US" altLang="zh-CN" sz="1600" dirty="0">
-              <a:latin typeface="时尚中黑简体" pitchFamily="2" charset="-122"/>
-              <a:ea typeface="时尚中黑简体" pitchFamily="2" charset="-122"/>
-              <a:sym typeface="宋体" panose="02010600030101010101" pitchFamily="2" charset="-122"/>
-            </a:endParaRPr>
-          </a:p>
-        </p:txBody>
-      </p:sp>
-      <p:sp>
-        <p:nvSpPr>
           <p:cNvPr id="20" name="TextBox 82"/>
           <p:cNvSpPr/>
           <p:nvPr/>
         </p:nvSpPr>
         <p:spPr>
           <a:xfrm flipH="1">
-            <a:off x="6513195" y="3650615"/>
-            <a:ext cx="4285615" cy="2183765"/>
+            <a:off x="6230808" y="2386597"/>
+            <a:ext cx="4285615" cy="3754874"/>
           </a:xfrm>
           <a:prstGeom prst="rect">
             <a:avLst/>
@@ -9690,18 +9624,7 @@
               <a:buClrTx/>
             </a:pPr>
             <a:r>
-              <a:rPr lang="en-US" altLang="zh-CN" sz="2000" b="1" dirty="0">
-                <a:solidFill>
-                  <a:schemeClr val="bg1"/>
-                </a:solidFill>
-                <a:latin typeface="微软雅黑" panose="020B0503020204020204" charset="-122"/>
-                <a:ea typeface="微软雅黑" panose="020B0503020204020204" charset="-122"/>
-                <a:sym typeface="宋体" panose="02010600030101010101" pitchFamily="2" charset="-122"/>
-              </a:rPr>
-              <a:t>       </a:t>
-            </a:r>
-            <a:r>
-              <a:rPr lang="zh-CN" altLang="en-US" sz="2000" b="1" dirty="0">
+              <a:rPr lang="en-US" altLang="zh-CN" sz="2000" b="1" dirty="0" smtClean="0">
                 <a:solidFill>
                   <a:schemeClr val="tx1">
                     <a:lumMod val="75000"/>
@@ -9712,8 +9635,141 @@
                 <a:ea typeface="微软雅黑" panose="020B0503020204020204" charset="-122"/>
                 <a:sym typeface="宋体" panose="02010600030101010101" pitchFamily="2" charset="-122"/>
               </a:rPr>
-              <a:t>在此添加文本 在此添加文本  在此添加文本 在此添加文本  在此添加文本 在此添加文本 在此添加文本 在此添加文本  在此添加文本</a:t>
+              <a:t>3.</a:t>
             </a:r>
+            <a:r>
+              <a:rPr lang="zh-CN" altLang="en-US" sz="2000" b="1" dirty="0" smtClean="0">
+                <a:solidFill>
+                  <a:schemeClr val="tx1">
+                    <a:lumMod val="75000"/>
+                    <a:lumOff val="25000"/>
+                  </a:schemeClr>
+                </a:solidFill>
+                <a:latin typeface="微软雅黑" panose="020B0503020204020204" charset="-122"/>
+                <a:ea typeface="微软雅黑" panose="020B0503020204020204" charset="-122"/>
+                <a:sym typeface="宋体" panose="02010600030101010101" pitchFamily="2" charset="-122"/>
+              </a:rPr>
+              <a:t>用</a:t>
+            </a:r>
+            <a:r>
+              <a:rPr lang="en-US" altLang="zh-CN" sz="2000" b="1" dirty="0" err="1" smtClean="0">
+                <a:solidFill>
+                  <a:schemeClr val="tx1">
+                    <a:lumMod val="75000"/>
+                    <a:lumOff val="25000"/>
+                  </a:schemeClr>
+                </a:solidFill>
+                <a:latin typeface="微软雅黑" panose="020B0503020204020204" charset="-122"/>
+                <a:ea typeface="微软雅黑" panose="020B0503020204020204" charset="-122"/>
+                <a:sym typeface="宋体" panose="02010600030101010101" pitchFamily="2" charset="-122"/>
+              </a:rPr>
+              <a:t>ajax</a:t>
+            </a:r>
+            <a:r>
+              <a:rPr lang="zh-CN" altLang="en-US" sz="2000" b="1" dirty="0" smtClean="0">
+                <a:solidFill>
+                  <a:schemeClr val="tx1">
+                    <a:lumMod val="75000"/>
+                    <a:lumOff val="25000"/>
+                  </a:schemeClr>
+                </a:solidFill>
+                <a:latin typeface="微软雅黑" panose="020B0503020204020204" charset="-122"/>
+                <a:ea typeface="微软雅黑" panose="020B0503020204020204" charset="-122"/>
+                <a:sym typeface="宋体" panose="02010600030101010101" pitchFamily="2" charset="-122"/>
+              </a:rPr>
+              <a:t>请求数据时， 传的</a:t>
+            </a:r>
+            <a:endParaRPr lang="en-US" altLang="zh-CN" sz="2000" b="1" dirty="0" smtClean="0">
+              <a:solidFill>
+                <a:schemeClr val="tx1">
+                  <a:lumMod val="75000"/>
+                  <a:lumOff val="25000"/>
+                </a:schemeClr>
+              </a:solidFill>
+              <a:latin typeface="微软雅黑" panose="020B0503020204020204" charset="-122"/>
+              <a:ea typeface="微软雅黑" panose="020B0503020204020204" charset="-122"/>
+              <a:sym typeface="宋体" panose="02010600030101010101" pitchFamily="2" charset="-122"/>
+            </a:endParaRPr>
+          </a:p>
+          <a:p>
+            <a:pPr lvl="0" algn="l">
+              <a:lnSpc>
+                <a:spcPct val="170000"/>
+              </a:lnSpc>
+              <a:buClrTx/>
+            </a:pPr>
+            <a:r>
+              <a:rPr lang="zh-CN" altLang="en-US" sz="2000" b="1" dirty="0" smtClean="0">
+                <a:solidFill>
+                  <a:schemeClr val="tx1">
+                    <a:lumMod val="75000"/>
+                    <a:lumOff val="25000"/>
+                  </a:schemeClr>
+                </a:solidFill>
+                <a:latin typeface="微软雅黑" panose="020B0503020204020204" charset="-122"/>
+                <a:ea typeface="微软雅黑" panose="020B0503020204020204" charset="-122"/>
+                <a:sym typeface="宋体" panose="02010600030101010101" pitchFamily="2" charset="-122"/>
+              </a:rPr>
+              <a:t>参数用对象的形式则可以在请求头看到请求参数， 如果参数是字符串， 则在请求头看不到请求参数， 但是这两种方法都能请求到数据。</a:t>
+            </a:r>
+            <a:endParaRPr lang="en-US" altLang="zh-CN" sz="2000" b="1" dirty="0" smtClean="0">
+              <a:solidFill>
+                <a:schemeClr val="tx1">
+                  <a:lumMod val="75000"/>
+                  <a:lumOff val="25000"/>
+                </a:schemeClr>
+              </a:solidFill>
+              <a:latin typeface="微软雅黑" panose="020B0503020204020204" charset="-122"/>
+              <a:ea typeface="微软雅黑" panose="020B0503020204020204" charset="-122"/>
+              <a:sym typeface="宋体" panose="02010600030101010101" pitchFamily="2" charset="-122"/>
+            </a:endParaRPr>
+          </a:p>
+          <a:p>
+            <a:pPr lvl="0" algn="l">
+              <a:lnSpc>
+                <a:spcPct val="170000"/>
+              </a:lnSpc>
+              <a:buClrTx/>
+            </a:pPr>
+            <a:r>
+              <a:rPr lang="en-US" altLang="zh-CN" sz="2000" b="1" dirty="0" smtClean="0">
+                <a:solidFill>
+                  <a:schemeClr val="tx1">
+                    <a:lumMod val="75000"/>
+                    <a:lumOff val="25000"/>
+                  </a:schemeClr>
+                </a:solidFill>
+                <a:latin typeface="微软雅黑" panose="020B0503020204020204" charset="-122"/>
+                <a:ea typeface="微软雅黑" panose="020B0503020204020204" charset="-122"/>
+                <a:sym typeface="宋体" panose="02010600030101010101" pitchFamily="2" charset="-122"/>
+              </a:rPr>
+              <a:t>4.</a:t>
+            </a:r>
+            <a:r>
+              <a:rPr lang="zh-CN" altLang="en-US" sz="2000" b="1" dirty="0" smtClean="0">
+                <a:solidFill>
+                  <a:schemeClr val="tx1">
+                    <a:lumMod val="75000"/>
+                    <a:lumOff val="25000"/>
+                  </a:schemeClr>
+                </a:solidFill>
+                <a:latin typeface="微软雅黑" panose="020B0503020204020204" charset="-122"/>
+                <a:ea typeface="微软雅黑" panose="020B0503020204020204" charset="-122"/>
+                <a:sym typeface="宋体" panose="02010600030101010101" pitchFamily="2" charset="-122"/>
+              </a:rPr>
+              <a:t>添加新文件之后要重新编译， 否则会报错找不到该文件。</a:t>
+            </a:r>
+            <a:endParaRPr lang="zh-CN" altLang="en-US" sz="2000" b="1" dirty="0">
+              <a:solidFill>
+                <a:schemeClr val="tx1">
+                  <a:lumMod val="75000"/>
+                  <a:lumOff val="25000"/>
+                </a:schemeClr>
+              </a:solidFill>
+              <a:latin typeface="微软雅黑" panose="020B0503020204020204" charset="-122"/>
+              <a:ea typeface="微软雅黑" panose="020B0503020204020204" charset="-122"/>
+              <a:sym typeface="宋体" panose="02010600030101010101" pitchFamily="2" charset="-122"/>
+            </a:endParaRPr>
           </a:p>
         </p:txBody>
       </p:sp>
@@ -9722,14 +9778,7 @@
   <p:clrMapOvr>
     <a:masterClrMapping/>
   </p:clrMapOvr>
-  <mc:AlternateContent xmlns:mc="http://schemas.openxmlformats.org/markup-compatibility/2006" xmlns:p14="http://schemas.microsoft.com/office/powerpoint/2010/main">
-    <mc:Choice Requires="p14">
-      <p:transition spd="slow" p14:dur="2000"/>
-    </mc:Choice>
-    <mc:Fallback xmlns="">
-      <p:transition spd="slow"/>
-    </mc:Fallback>
-  </mc:AlternateContent>
+  <p:transition spd="slow"/>
   <p:timing>
     <p:tnLst>
       <p:par>
@@ -10038,105 +10087,24 @@
                                   </p:childTnLst>
                                 </p:cTn>
                               </p:par>
+                            </p:childTnLst>
+                          </p:cTn>
+                        </p:par>
+                        <p:par>
+                          <p:cTn id="26" fill="hold">
+                            <p:stCondLst>
+                              <p:cond delay="1500"/>
+                            </p:stCondLst>
+                            <p:childTnLst>
                               <p:par>
-                                <p:cTn id="26" presetID="53" presetClass="entr" presetSubtype="16" fill="hold" grpId="0" nodeType="withEffect">
+                                <p:cTn id="27" presetID="42" presetClass="entr" presetSubtype="0" fill="hold" grpId="0" nodeType="afterEffect">
                                   <p:stCondLst>
                                     <p:cond delay="0"/>
                                   </p:stCondLst>
                                   <p:childTnLst>
                                     <p:set>
                                       <p:cBhvr>
-                                        <p:cTn id="27" dur="1" fill="hold">
-                                          <p:stCondLst>
-                                            <p:cond delay="0"/>
-                                          </p:stCondLst>
-                                        </p:cTn>
-                                        <p:tgtEl>
-                                          <p:spTgt spid="19"/>
-                                        </p:tgtEl>
-                                        <p:attrNameLst>
-                                          <p:attrName>style.visibility</p:attrName>
-                                        </p:attrNameLst>
-                                      </p:cBhvr>
-                                      <p:to>
-                                        <p:strVal val="visible"/>
-                                      </p:to>
-                                    </p:set>
-                                    <p:anim calcmode="lin" valueType="num">
-                                      <p:cBhvr>
-                                        <p:cTn id="28" dur="500" fill="hold"/>
-                                        <p:tgtEl>
-                                          <p:spTgt spid="19"/>
-                                        </p:tgtEl>
-                                        <p:attrNameLst>
-                                          <p:attrName>ppt_w</p:attrName>
-                                        </p:attrNameLst>
-                                      </p:cBhvr>
-                                      <p:tavLst>
-                                        <p:tav tm="0">
-                                          <p:val>
-                                            <p:fltVal val="0"/>
-                                          </p:val>
-                                        </p:tav>
-                                        <p:tav tm="100000">
-                                          <p:val>
-                                            <p:strVal val="#ppt_w"/>
-                                          </p:val>
-                                        </p:tav>
-                                      </p:tavLst>
-                                    </p:anim>
-                                    <p:anim calcmode="lin" valueType="num">
-                                      <p:cBhvr>
-                                        <p:cTn id="29" dur="500" fill="hold"/>
-                                        <p:tgtEl>
-                                          <p:spTgt spid="19"/>
-                                        </p:tgtEl>
-                                        <p:attrNameLst>
-                                          <p:attrName>ppt_h</p:attrName>
-                                        </p:attrNameLst>
-                                      </p:cBhvr>
-                                      <p:tavLst>
-                                        <p:tav tm="0">
-                                          <p:val>
-                                            <p:fltVal val="0"/>
-                                          </p:val>
-                                        </p:tav>
-                                        <p:tav tm="100000">
-                                          <p:val>
-                                            <p:strVal val="#ppt_h"/>
-                                          </p:val>
-                                        </p:tav>
-                                      </p:tavLst>
-                                    </p:anim>
-                                    <p:animEffect transition="in" filter="fade">
-                                      <p:cBhvr>
-                                        <p:cTn id="30" dur="500"/>
-                                        <p:tgtEl>
-                                          <p:spTgt spid="19"/>
-                                        </p:tgtEl>
-                                      </p:cBhvr>
-                                    </p:animEffect>
-                                  </p:childTnLst>
-                                </p:cTn>
-                              </p:par>
-                            </p:childTnLst>
-                          </p:cTn>
-                        </p:par>
-                        <p:par>
-                          <p:cTn id="31" fill="hold">
-                            <p:stCondLst>
-                              <p:cond delay="1500"/>
-                            </p:stCondLst>
-                            <p:childTnLst>
-                              <p:par>
-                                <p:cTn id="32" presetID="42" presetClass="entr" presetSubtype="0" fill="hold" grpId="0" nodeType="afterEffect">
-                                  <p:stCondLst>
-                                    <p:cond delay="0"/>
-                                  </p:stCondLst>
-                                  <p:childTnLst>
-                                    <p:set>
-                                      <p:cBhvr>
-                                        <p:cTn id="33" dur="1" fill="hold">
+                                        <p:cTn id="28" dur="1" fill="hold">
                                           <p:stCondLst>
                                             <p:cond delay="0"/>
                                           </p:stCondLst>
@@ -10154,7 +10122,7 @@
                                     </p:set>
                                     <p:animEffect transition="in" filter="fade">
                                       <p:cBhvr>
-                                        <p:cTn id="34" dur="1000"/>
+                                        <p:cTn id="29" dur="1000"/>
                                         <p:tgtEl>
                                           <p:spTgt spid="53292"/>
                                         </p:tgtEl>
@@ -10162,7 +10130,7 @@
                                     </p:animEffect>
                                     <p:anim calcmode="lin" valueType="num">
                                       <p:cBhvr>
-                                        <p:cTn id="35" dur="1000" fill="hold"/>
+                                        <p:cTn id="30" dur="1000" fill="hold"/>
                                         <p:tgtEl>
                                           <p:spTgt spid="53292"/>
                                         </p:tgtEl>
@@ -10185,7 +10153,7 @@
                                     </p:anim>
                                     <p:anim calcmode="lin" valueType="num">
                                       <p:cBhvr>
-                                        <p:cTn id="36" dur="1000" fill="hold"/>
+                                        <p:cTn id="31" dur="1000" fill="hold"/>
                                         <p:tgtEl>
                                           <p:spTgt spid="53292"/>
                                         </p:tgtEl>
@@ -10210,14 +10178,14 @@
                                 </p:cTn>
                               </p:par>
                               <p:par>
-                                <p:cTn id="37" presetID="42" presetClass="entr" presetSubtype="0" fill="hold" grpId="0" nodeType="withEffect">
+                                <p:cTn id="32" presetID="42" presetClass="entr" presetSubtype="0" fill="hold" grpId="0" nodeType="withEffect">
                                   <p:stCondLst>
                                     <p:cond delay="0"/>
                                   </p:stCondLst>
                                   <p:childTnLst>
                                     <p:set>
                                       <p:cBhvr>
-                                        <p:cTn id="38" dur="1" fill="hold">
+                                        <p:cTn id="33" dur="1" fill="hold">
                                           <p:stCondLst>
                                             <p:cond delay="0"/>
                                           </p:stCondLst>
@@ -10235,7 +10203,7 @@
                                     </p:set>
                                     <p:animEffect transition="in" filter="fade">
                                       <p:cBhvr>
-                                        <p:cTn id="39" dur="1000"/>
+                                        <p:cTn id="34" dur="1000"/>
                                         <p:tgtEl>
                                           <p:spTgt spid="20"/>
                                         </p:tgtEl>
@@ -10243,7 +10211,7 @@
                                     </p:animEffect>
                                     <p:anim calcmode="lin" valueType="num">
                                       <p:cBhvr>
-                                        <p:cTn id="40" dur="1000" fill="hold"/>
+                                        <p:cTn id="35" dur="1000" fill="hold"/>
                                         <p:tgtEl>
                                           <p:spTgt spid="20"/>
                                         </p:tgtEl>
@@ -10266,7 +10234,7 @@
                                     </p:anim>
                                     <p:anim calcmode="lin" valueType="num">
                                       <p:cBhvr>
-                                        <p:cTn id="41" dur="1000" fill="hold"/>
+                                        <p:cTn id="36" dur="1000" fill="hold"/>
                                         <p:tgtEl>
                                           <p:spTgt spid="20"/>
                                         </p:tgtEl>
@@ -10322,7 +10290,6 @@
       <p:bldP spid="53255" grpId="0" animBg="1"/>
       <p:bldP spid="53292" grpId="0"/>
       <p:bldP spid="12" grpId="0" animBg="1"/>
-      <p:bldP spid="19" grpId="0" animBg="1"/>
       <p:bldP spid="20" grpId="0"/>
     </p:bldLst>
   </p:timing>
@@ -10713,14 +10680,7 @@
   <p:clrMapOvr>
     <a:masterClrMapping/>
   </p:clrMapOvr>
-  <mc:AlternateContent xmlns:mc="http://schemas.openxmlformats.org/markup-compatibility/2006" xmlns:p14="http://schemas.microsoft.com/office/powerpoint/2010/main">
-    <mc:Choice Requires="p14">
-      <p:transition spd="slow" p14:dur="2000"/>
-    </mc:Choice>
-    <mc:Fallback xmlns="">
-      <p:transition spd="slow"/>
-    </mc:Fallback>
-  </mc:AlternateContent>
+  <p:transition spd="slow"/>
   <p:timing>
     <p:tnLst>
       <p:par>
@@ -12109,14 +12069,7 @@
   <p:clrMapOvr>
     <a:masterClrMapping/>
   </p:clrMapOvr>
-  <mc:AlternateContent xmlns:mc="http://schemas.openxmlformats.org/markup-compatibility/2006" xmlns:p14="http://schemas.microsoft.com/office/powerpoint/2010/main">
-    <mc:Choice Requires="p14">
-      <p:transition spd="slow" p14:dur="2000"/>
-    </mc:Choice>
-    <mc:Fallback xmlns="">
-      <p:transition spd="slow"/>
-    </mc:Fallback>
-  </mc:AlternateContent>
+  <p:transition spd="slow"/>
   <p:timing>
     <p:tnLst>
       <p:par>
@@ -13905,14 +13858,7 @@
   <p:clrMapOvr>
     <a:masterClrMapping/>
   </p:clrMapOvr>
-  <mc:AlternateContent xmlns:mc="http://schemas.openxmlformats.org/markup-compatibility/2006" xmlns:p14="http://schemas.microsoft.com/office/powerpoint/2010/main">
-    <mc:Choice Requires="p14">
-      <p:transition spd="slow" p14:dur="2000"/>
-    </mc:Choice>
-    <mc:Fallback xmlns="">
-      <p:transition spd="slow"/>
-    </mc:Fallback>
-  </mc:AlternateContent>
+  <p:transition spd="slow"/>
   <p:timing>
     <p:tnLst>
       <p:par>
@@ -16421,14 +16367,7 @@
   <p:clrMapOvr>
     <a:masterClrMapping/>
   </p:clrMapOvr>
-  <mc:AlternateContent xmlns:mc="http://schemas.openxmlformats.org/markup-compatibility/2006" xmlns:p14="http://schemas.microsoft.com/office/powerpoint/2010/main">
-    <mc:Choice Requires="p14">
-      <p:transition spd="slow" p14:dur="2000"/>
-    </mc:Choice>
-    <mc:Fallback xmlns="">
-      <p:transition spd="slow"/>
-    </mc:Fallback>
-  </mc:AlternateContent>
+  <p:transition spd="slow"/>
   <p:timing>
     <p:tnLst>
       <p:par>
@@ -18778,14 +18717,7 @@
   <p:clrMapOvr>
     <a:masterClrMapping/>
   </p:clrMapOvr>
-  <mc:AlternateContent xmlns:mc="http://schemas.openxmlformats.org/markup-compatibility/2006" xmlns:p14="http://schemas.microsoft.com/office/powerpoint/2010/main">
-    <mc:Choice Requires="p14">
-      <p:transition spd="slow" p14:dur="2000"/>
-    </mc:Choice>
-    <mc:Fallback xmlns="">
-      <p:transition spd="slow"/>
-    </mc:Fallback>
-  </mc:AlternateContent>
+  <p:transition spd="slow"/>
   <p:timing>
     <p:tnLst>
       <p:par>
@@ -21354,14 +21286,7 @@
   <p:clrMapOvr>
     <a:masterClrMapping/>
   </p:clrMapOvr>
-  <mc:AlternateContent xmlns:mc="http://schemas.openxmlformats.org/markup-compatibility/2006" xmlns:p14="http://schemas.microsoft.com/office/powerpoint/2010/main">
-    <mc:Choice Requires="p14">
-      <p:transition spd="slow" p14:dur="2000"/>
-    </mc:Choice>
-    <mc:Fallback xmlns="">
-      <p:transition spd="slow"/>
-    </mc:Fallback>
-  </mc:AlternateContent>
+  <p:transition spd="slow"/>
   <p:timing>
     <p:tnLst>
       <p:par>
@@ -23627,14 +23552,7 @@
   <p:clrMapOvr>
     <a:masterClrMapping/>
   </p:clrMapOvr>
-  <mc:AlternateContent xmlns:mc="http://schemas.openxmlformats.org/markup-compatibility/2006" xmlns:p14="http://schemas.microsoft.com/office/powerpoint/2010/main">
-    <mc:Choice Requires="p14">
-      <p:transition spd="slow" p14:dur="2000"/>
-    </mc:Choice>
-    <mc:Fallback xmlns="">
-      <p:transition spd="slow"/>
-    </mc:Fallback>
-  </mc:AlternateContent>
+  <p:transition spd="slow"/>
   <p:timing>
     <p:tnLst>
       <p:par>
@@ -27107,14 +27025,7 @@
   <p:clrMapOvr>
     <a:masterClrMapping/>
   </p:clrMapOvr>
-  <mc:AlternateContent xmlns:mc="http://schemas.openxmlformats.org/markup-compatibility/2006" xmlns:p14="http://schemas.microsoft.com/office/powerpoint/2010/main">
-    <mc:Choice Requires="p14">
-      <p:transition spd="slow" p14:dur="2000"/>
-    </mc:Choice>
-    <mc:Fallback xmlns="">
-      <p:transition spd="slow"/>
-    </mc:Fallback>
-  </mc:AlternateContent>
+  <p:transition spd="slow"/>
   <p:timing>
     <p:tnLst>
       <p:par>
@@ -29021,14 +28932,7 @@
   <p:clrMapOvr>
     <a:masterClrMapping/>
   </p:clrMapOvr>
-  <mc:AlternateContent xmlns:mc="http://schemas.openxmlformats.org/markup-compatibility/2006" xmlns:p14="http://schemas.microsoft.com/office/powerpoint/2010/main">
-    <mc:Choice Requires="p14">
-      <p:transition spd="slow" p14:dur="2000"/>
-    </mc:Choice>
-    <mc:Fallback xmlns="">
-      <p:transition spd="slow"/>
-    </mc:Fallback>
-  </mc:AlternateContent>
+  <p:transition spd="slow"/>
   <p:timing>
     <p:tnLst>
       <p:par>
@@ -30407,7 +30311,7 @@
   <a:extraClrSchemeLst/>
   <a:extLst>
     <a:ext uri="{05A4C25C-085E-4340-85A3-A5531E510DB2}">
-      <thm15:themeFamily xmlns:thm15="http://schemas.microsoft.com/office/thememl/2012/main" xmlns="" name="Office Theme" id="{62F939B6-93AF-4DB8-9C6B-D6C7DFDC589F}" vid="{4A3C46E8-61CC-4603-A589-7422A47A8E4A}"/>
+      <thm15:themeFamily xmlns="" xmlns:thm15="http://schemas.microsoft.com/office/thememl/2012/main" name="Office Theme" id="{62F939B6-93AF-4DB8-9C6B-D6C7DFDC589F}" vid="{4A3C46E8-61CC-4603-A589-7422A47A8E4A}"/>
     </a:ext>
   </a:extLst>
 </a:theme>
@@ -30668,7 +30572,7 @@
   <a:extraClrSchemeLst/>
   <a:extLst>
     <a:ext uri="{05A4C25C-085E-4340-85A3-A5531E510DB2}">
-      <thm15:themeFamily xmlns:thm15="http://schemas.microsoft.com/office/thememl/2012/main" xmlns="" name="Office Theme" id="{62F939B6-93AF-4DB8-9C6B-D6C7DFDC589F}" vid="{4A3C46E8-61CC-4603-A589-7422A47A8E4A}"/>
+      <thm15:themeFamily xmlns="" xmlns:thm15="http://schemas.microsoft.com/office/thememl/2012/main" name="Office Theme" id="{62F939B6-93AF-4DB8-9C6B-D6C7DFDC589F}" vid="{4A3C46E8-61CC-4603-A589-7422A47A8E4A}"/>
     </a:ext>
   </a:extLst>
 </a:theme>
@@ -30929,7 +30833,7 @@
   <a:extraClrSchemeLst/>
   <a:extLst>
     <a:ext uri="{05A4C25C-085E-4340-85A3-A5531E510DB2}">
-      <thm15:themeFamily xmlns:thm15="http://schemas.microsoft.com/office/thememl/2012/main" xmlns="" name="Office Theme" id="{62F939B6-93AF-4DB8-9C6B-D6C7DFDC589F}" vid="{4A3C46E8-61CC-4603-A589-7422A47A8E4A}"/>
+      <thm15:themeFamily xmlns="" xmlns:thm15="http://schemas.microsoft.com/office/thememl/2012/main" name="Office Theme" id="{62F939B6-93AF-4DB8-9C6B-D6C7DFDC589F}" vid="{4A3C46E8-61CC-4603-A589-7422A47A8E4A}"/>
     </a:ext>
   </a:extLst>
 </a:theme>

--- a/文档/交付文档/首耀照明答辩ppt.pptx
+++ b/文档/交付文档/首耀照明答辩ppt.pptx
@@ -209,7 +209,7 @@
           <a:p>
             <a:fld id="{0F9B84EA-7D68-4D60-9CB1-D50884785D1C}" type="datetimeFigureOut">
               <a:rPr lang="zh-CN" altLang="en-US" smtClean="0"/>
-              <a:t>2017/8/10</a:t>
+              <a:t>2017/8/11</a:t>
             </a:fld>
             <a:endParaRPr lang="zh-CN" altLang="en-US"/>
           </a:p>
@@ -374,7 +374,7 @@
           <a:p>
             <a:fld id="{D2A48B96-639E-45A3-A0BA-2464DFDB1FAA}" type="datetimeFigureOut">
               <a:rPr lang="zh-CN" altLang="en-US" smtClean="0"/>
-              <a:t>2017/8/10</a:t>
+              <a:t>2017/8/11</a:t>
             </a:fld>
             <a:endParaRPr lang="zh-CN" altLang="en-US"/>
           </a:p>
@@ -829,7 +829,7 @@
           <a:p>
             <a:fld id="{D997B5FA-0921-464F-AAE1-844C04324D75}" type="datetimeFigureOut">
               <a:rPr lang="zh-CN" altLang="en-US" smtClean="0"/>
-              <a:t>2017/8/10</a:t>
+              <a:t>2017/8/11</a:t>
             </a:fld>
             <a:endParaRPr lang="zh-CN" altLang="en-US"/>
           </a:p>
@@ -995,7 +995,7 @@
           <a:p>
             <a:fld id="{D997B5FA-0921-464F-AAE1-844C04324D75}" type="datetimeFigureOut">
               <a:rPr lang="zh-CN" altLang="en-US" smtClean="0"/>
-              <a:t>2017/8/10</a:t>
+              <a:t>2017/8/11</a:t>
             </a:fld>
             <a:endParaRPr lang="zh-CN" altLang="en-US"/>
           </a:p>
@@ -1171,7 +1171,7 @@
           <a:p>
             <a:fld id="{D997B5FA-0921-464F-AAE1-844C04324D75}" type="datetimeFigureOut">
               <a:rPr lang="zh-CN" altLang="en-US" smtClean="0"/>
-              <a:t>2017/8/10</a:t>
+              <a:t>2017/8/11</a:t>
             </a:fld>
             <a:endParaRPr lang="zh-CN" altLang="en-US"/>
           </a:p>
@@ -1337,7 +1337,7 @@
           <a:p>
             <a:fld id="{D997B5FA-0921-464F-AAE1-844C04324D75}" type="datetimeFigureOut">
               <a:rPr lang="zh-CN" altLang="en-US" smtClean="0"/>
-              <a:t>2017/8/10</a:t>
+              <a:t>2017/8/11</a:t>
             </a:fld>
             <a:endParaRPr lang="zh-CN" altLang="en-US"/>
           </a:p>
@@ -1579,7 +1579,7 @@
           <a:p>
             <a:fld id="{D997B5FA-0921-464F-AAE1-844C04324D75}" type="datetimeFigureOut">
               <a:rPr lang="zh-CN" altLang="en-US" smtClean="0"/>
-              <a:t>2017/8/10</a:t>
+              <a:t>2017/8/11</a:t>
             </a:fld>
             <a:endParaRPr lang="zh-CN" altLang="en-US"/>
           </a:p>
@@ -1807,7 +1807,7 @@
           <a:p>
             <a:fld id="{D997B5FA-0921-464F-AAE1-844C04324D75}" type="datetimeFigureOut">
               <a:rPr lang="zh-CN" altLang="en-US" smtClean="0"/>
-              <a:t>2017/8/10</a:t>
+              <a:t>2017/8/11</a:t>
             </a:fld>
             <a:endParaRPr lang="zh-CN" altLang="en-US"/>
           </a:p>
@@ -2170,7 +2170,7 @@
           <a:p>
             <a:fld id="{D997B5FA-0921-464F-AAE1-844C04324D75}" type="datetimeFigureOut">
               <a:rPr lang="zh-CN" altLang="en-US" smtClean="0"/>
-              <a:t>2017/8/10</a:t>
+              <a:t>2017/8/11</a:t>
             </a:fld>
             <a:endParaRPr lang="zh-CN" altLang="en-US"/>
           </a:p>
@@ -2284,7 +2284,7 @@
           <a:p>
             <a:fld id="{D997B5FA-0921-464F-AAE1-844C04324D75}" type="datetimeFigureOut">
               <a:rPr lang="zh-CN" altLang="en-US" smtClean="0"/>
-              <a:t>2017/8/10</a:t>
+              <a:t>2017/8/11</a:t>
             </a:fld>
             <a:endParaRPr lang="zh-CN" altLang="en-US"/>
           </a:p>
@@ -2375,7 +2375,7 @@
           <a:p>
             <a:fld id="{D997B5FA-0921-464F-AAE1-844C04324D75}" type="datetimeFigureOut">
               <a:rPr lang="zh-CN" altLang="en-US" smtClean="0"/>
-              <a:t>2017/8/10</a:t>
+              <a:t>2017/8/11</a:t>
             </a:fld>
             <a:endParaRPr lang="zh-CN" altLang="en-US"/>
           </a:p>
@@ -2648,7 +2648,7 @@
           <a:p>
             <a:fld id="{D997B5FA-0921-464F-AAE1-844C04324D75}" type="datetimeFigureOut">
               <a:rPr lang="zh-CN" altLang="en-US" smtClean="0"/>
-              <a:t>2017/8/10</a:t>
+              <a:t>2017/8/11</a:t>
             </a:fld>
             <a:endParaRPr lang="zh-CN" altLang="en-US"/>
           </a:p>
@@ -2897,7 +2897,7 @@
           <a:p>
             <a:fld id="{D997B5FA-0921-464F-AAE1-844C04324D75}" type="datetimeFigureOut">
               <a:rPr lang="zh-CN" altLang="en-US" smtClean="0"/>
-              <a:t>2017/8/10</a:t>
+              <a:t>2017/8/11</a:t>
             </a:fld>
             <a:endParaRPr lang="zh-CN" altLang="en-US"/>
           </a:p>
@@ -3106,7 +3106,7 @@
           <a:p>
             <a:fld id="{D997B5FA-0921-464F-AAE1-844C04324D75}" type="datetimeFigureOut">
               <a:rPr lang="zh-CN" altLang="en-US" smtClean="0"/>
-              <a:t>2017/8/10</a:t>
+              <a:t>2017/8/11</a:t>
             </a:fld>
             <a:endParaRPr lang="zh-CN" altLang="en-US"/>
           </a:p>
@@ -20819,6 +20819,16 @@
             <a:lstStyle/>
             <a:p>
               <a:r>
+                <a:rPr lang="zh-CN" altLang="en-US" sz="2400" b="1" smtClean="0">
+                  <a:solidFill>
+                    <a:srgbClr val="2E75B6"/>
+                  </a:solidFill>
+                  <a:latin typeface="微软雅黑" panose="020B0503020204020204" charset="-122"/>
+                  <a:ea typeface="微软雅黑" panose="020B0503020204020204" charset="-122"/>
+                </a:rPr>
+                <a:t>所有</a:t>
+              </a:r>
+              <a:r>
                 <a:rPr lang="zh-CN" altLang="en-US" sz="2400" b="1" dirty="0" smtClean="0">
                   <a:solidFill>
                     <a:srgbClr val="2E75B6"/>
@@ -20826,7 +20836,7 @@
                   <a:latin typeface="微软雅黑" panose="020B0503020204020204" charset="-122"/>
                   <a:ea typeface="微软雅黑" panose="020B0503020204020204" charset="-122"/>
                 </a:rPr>
-                <a:t>在所有订单</a:t>
+                <a:t>订单</a:t>
               </a:r>
               <a:endParaRPr lang="zh-CN" altLang="en-US" sz="2400" b="1" dirty="0">
                 <a:solidFill>
@@ -30311,7 +30321,7 @@
   <a:extraClrSchemeLst/>
   <a:extLst>
     <a:ext uri="{05A4C25C-085E-4340-85A3-A5531E510DB2}">
-      <thm15:themeFamily xmlns="" xmlns:thm15="http://schemas.microsoft.com/office/thememl/2012/main" name="Office Theme" id="{62F939B6-93AF-4DB8-9C6B-D6C7DFDC589F}" vid="{4A3C46E8-61CC-4603-A589-7422A47A8E4A}"/>
+      <thm15:themeFamily xmlns:thm15="http://schemas.microsoft.com/office/thememl/2012/main" xmlns="" name="Office Theme" id="{62F939B6-93AF-4DB8-9C6B-D6C7DFDC589F}" vid="{4A3C46E8-61CC-4603-A589-7422A47A8E4A}"/>
     </a:ext>
   </a:extLst>
 </a:theme>
@@ -30572,7 +30582,7 @@
   <a:extraClrSchemeLst/>
   <a:extLst>
     <a:ext uri="{05A4C25C-085E-4340-85A3-A5531E510DB2}">
-      <thm15:themeFamily xmlns="" xmlns:thm15="http://schemas.microsoft.com/office/thememl/2012/main" name="Office Theme" id="{62F939B6-93AF-4DB8-9C6B-D6C7DFDC589F}" vid="{4A3C46E8-61CC-4603-A589-7422A47A8E4A}"/>
+      <thm15:themeFamily xmlns:thm15="http://schemas.microsoft.com/office/thememl/2012/main" xmlns="" name="Office Theme" id="{62F939B6-93AF-4DB8-9C6B-D6C7DFDC589F}" vid="{4A3C46E8-61CC-4603-A589-7422A47A8E4A}"/>
     </a:ext>
   </a:extLst>
 </a:theme>
@@ -30833,7 +30843,7 @@
   <a:extraClrSchemeLst/>
   <a:extLst>
     <a:ext uri="{05A4C25C-085E-4340-85A3-A5531E510DB2}">
-      <thm15:themeFamily xmlns="" xmlns:thm15="http://schemas.microsoft.com/office/thememl/2012/main" name="Office Theme" id="{62F939B6-93AF-4DB8-9C6B-D6C7DFDC589F}" vid="{4A3C46E8-61CC-4603-A589-7422A47A8E4A}"/>
+      <thm15:themeFamily xmlns:thm15="http://schemas.microsoft.com/office/thememl/2012/main" xmlns="" name="Office Theme" id="{62F939B6-93AF-4DB8-9C6B-D6C7DFDC589F}" vid="{4A3C46E8-61CC-4603-A589-7422A47A8E4A}"/>
     </a:ext>
   </a:extLst>
 </a:theme>
